--- a/MLB_Powerpoint copy.pptx
+++ b/MLB_Powerpoint copy.pptx
@@ -4761,76 +4761,6 @@
           </a:xfrm>
         </p:spPr>
       </p:pic>
-      <p:sp>
-        <p:nvSpPr>
-          <p:cNvPr id="8" name="TextBox 7">
-            <a:extLst>
-              <a:ext uri="{FF2B5EF4-FFF2-40B4-BE49-F238E27FC236}">
-                <a16:creationId xmlns:a16="http://schemas.microsoft.com/office/drawing/2014/main" id="{1BBC4777-BC8F-4A5C-97C1-E5CBC1A6733A}"/>
-              </a:ext>
-            </a:extLst>
-          </p:cNvPr>
-          <p:cNvSpPr txBox="1"/>
-          <p:nvPr/>
-        </p:nvSpPr>
-        <p:spPr>
-          <a:xfrm>
-            <a:off x="3048778" y="3244334"/>
-            <a:ext cx="6097554" cy="369332"/>
-          </a:xfrm>
-          <a:prstGeom prst="rect">
-            <a:avLst/>
-          </a:prstGeom>
-          <a:noFill/>
-        </p:spPr>
-        <p:txBody>
-          <a:bodyPr wrap="square">
-            <a:spAutoFit/>
-          </a:bodyPr>
-          <a:lstStyle/>
-          <a:p>
-            <a:r>
-              <a:rPr lang="en-US" dirty="0"/>
-              <a:t>Winner STD’s from Mean</a:t>
-            </a:r>
-          </a:p>
-        </p:txBody>
-      </p:sp>
-      <p:sp>
-        <p:nvSpPr>
-          <p:cNvPr id="10" name="TextBox 9">
-            <a:extLst>
-              <a:ext uri="{FF2B5EF4-FFF2-40B4-BE49-F238E27FC236}">
-                <a16:creationId xmlns:a16="http://schemas.microsoft.com/office/drawing/2014/main" id="{F0235C08-CEFB-4D02-9B4F-923E532F2360}"/>
-              </a:ext>
-            </a:extLst>
-          </p:cNvPr>
-          <p:cNvSpPr txBox="1"/>
-          <p:nvPr/>
-        </p:nvSpPr>
-        <p:spPr>
-          <a:xfrm>
-            <a:off x="3048778" y="3244334"/>
-            <a:ext cx="6097554" cy="369332"/>
-          </a:xfrm>
-          <a:prstGeom prst="rect">
-            <a:avLst/>
-          </a:prstGeom>
-          <a:noFill/>
-        </p:spPr>
-        <p:txBody>
-          <a:bodyPr wrap="square">
-            <a:spAutoFit/>
-          </a:bodyPr>
-          <a:lstStyle/>
-          <a:p>
-            <a:r>
-              <a:rPr lang="en-US" dirty="0"/>
-              <a:t>Winner STD’s from Mean</a:t>
-            </a:r>
-          </a:p>
-        </p:txBody>
-      </p:sp>
     </p:spTree>
     <p:extLst>
       <p:ext uri="{BB962C8B-B14F-4D97-AF65-F5344CB8AC3E}">
